--- a/设计模式1.pptx
+++ b/设计模式1.pptx
@@ -11,11 +11,12 @@
     <p:sldId id="258" r:id="rId5"/>
     <p:sldId id="259" r:id="rId6"/>
     <p:sldId id="260" r:id="rId7"/>
-    <p:sldId id="263" r:id="rId8"/>
-    <p:sldId id="264" r:id="rId9"/>
-    <p:sldId id="265" r:id="rId10"/>
-    <p:sldId id="267" r:id="rId11"/>
-    <p:sldId id="266" r:id="rId12"/>
+    <p:sldId id="268" r:id="rId8"/>
+    <p:sldId id="263" r:id="rId9"/>
+    <p:sldId id="264" r:id="rId10"/>
+    <p:sldId id="265" r:id="rId11"/>
+    <p:sldId id="267" r:id="rId12"/>
+    <p:sldId id="266" r:id="rId13"/>
   </p:sldIdLst>
   <p:sldSz cx="12192000" cy="6858000"/>
   <p:notesSz cx="6858000" cy="9144000"/>
@@ -253,7 +254,7 @@
           <a:p>
             <a:fld id="{06028ED6-4E55-4A54-B87A-A615BAC9E3BC}" type="datetimeFigureOut">
               <a:rPr lang="zh-CN" altLang="en-US" smtClean="0"/>
-              <a:t>2019/2/12</a:t>
+              <a:t>2019/2/14</a:t>
             </a:fld>
             <a:endParaRPr lang="zh-CN" altLang="en-US"/>
           </a:p>
@@ -423,7 +424,7 @@
           <a:p>
             <a:fld id="{06028ED6-4E55-4A54-B87A-A615BAC9E3BC}" type="datetimeFigureOut">
               <a:rPr lang="zh-CN" altLang="en-US" smtClean="0"/>
-              <a:t>2019/2/12</a:t>
+              <a:t>2019/2/14</a:t>
             </a:fld>
             <a:endParaRPr lang="zh-CN" altLang="en-US"/>
           </a:p>
@@ -603,7 +604,7 @@
           <a:p>
             <a:fld id="{06028ED6-4E55-4A54-B87A-A615BAC9E3BC}" type="datetimeFigureOut">
               <a:rPr lang="zh-CN" altLang="en-US" smtClean="0"/>
-              <a:t>2019/2/12</a:t>
+              <a:t>2019/2/14</a:t>
             </a:fld>
             <a:endParaRPr lang="zh-CN" altLang="en-US"/>
           </a:p>
@@ -773,7 +774,7 @@
           <a:p>
             <a:fld id="{06028ED6-4E55-4A54-B87A-A615BAC9E3BC}" type="datetimeFigureOut">
               <a:rPr lang="zh-CN" altLang="en-US" smtClean="0"/>
-              <a:t>2019/2/12</a:t>
+              <a:t>2019/2/14</a:t>
             </a:fld>
             <a:endParaRPr lang="zh-CN" altLang="en-US"/>
           </a:p>
@@ -1019,7 +1020,7 @@
           <a:p>
             <a:fld id="{06028ED6-4E55-4A54-B87A-A615BAC9E3BC}" type="datetimeFigureOut">
               <a:rPr lang="zh-CN" altLang="en-US" smtClean="0"/>
-              <a:t>2019/2/12</a:t>
+              <a:t>2019/2/14</a:t>
             </a:fld>
             <a:endParaRPr lang="zh-CN" altLang="en-US"/>
           </a:p>
@@ -1251,7 +1252,7 @@
           <a:p>
             <a:fld id="{06028ED6-4E55-4A54-B87A-A615BAC9E3BC}" type="datetimeFigureOut">
               <a:rPr lang="zh-CN" altLang="en-US" smtClean="0"/>
-              <a:t>2019/2/12</a:t>
+              <a:t>2019/2/14</a:t>
             </a:fld>
             <a:endParaRPr lang="zh-CN" altLang="en-US"/>
           </a:p>
@@ -1618,7 +1619,7 @@
           <a:p>
             <a:fld id="{06028ED6-4E55-4A54-B87A-A615BAC9E3BC}" type="datetimeFigureOut">
               <a:rPr lang="zh-CN" altLang="en-US" smtClean="0"/>
-              <a:t>2019/2/12</a:t>
+              <a:t>2019/2/14</a:t>
             </a:fld>
             <a:endParaRPr lang="zh-CN" altLang="en-US"/>
           </a:p>
@@ -1736,7 +1737,7 @@
           <a:p>
             <a:fld id="{06028ED6-4E55-4A54-B87A-A615BAC9E3BC}" type="datetimeFigureOut">
               <a:rPr lang="zh-CN" altLang="en-US" smtClean="0"/>
-              <a:t>2019/2/12</a:t>
+              <a:t>2019/2/14</a:t>
             </a:fld>
             <a:endParaRPr lang="zh-CN" altLang="en-US"/>
           </a:p>
@@ -1831,7 +1832,7 @@
           <a:p>
             <a:fld id="{06028ED6-4E55-4A54-B87A-A615BAC9E3BC}" type="datetimeFigureOut">
               <a:rPr lang="zh-CN" altLang="en-US" smtClean="0"/>
-              <a:t>2019/2/12</a:t>
+              <a:t>2019/2/14</a:t>
             </a:fld>
             <a:endParaRPr lang="zh-CN" altLang="en-US"/>
           </a:p>
@@ -2108,7 +2109,7 @@
           <a:p>
             <a:fld id="{06028ED6-4E55-4A54-B87A-A615BAC9E3BC}" type="datetimeFigureOut">
               <a:rPr lang="zh-CN" altLang="en-US" smtClean="0"/>
-              <a:t>2019/2/12</a:t>
+              <a:t>2019/2/14</a:t>
             </a:fld>
             <a:endParaRPr lang="zh-CN" altLang="en-US"/>
           </a:p>
@@ -2361,7 +2362,7 @@
           <a:p>
             <a:fld id="{06028ED6-4E55-4A54-B87A-A615BAC9E3BC}" type="datetimeFigureOut">
               <a:rPr lang="zh-CN" altLang="en-US" smtClean="0"/>
-              <a:t>2019/2/12</a:t>
+              <a:t>2019/2/14</a:t>
             </a:fld>
             <a:endParaRPr lang="zh-CN" altLang="en-US"/>
           </a:p>
@@ -2574,7 +2575,7 @@
           <a:p>
             <a:fld id="{06028ED6-4E55-4A54-B87A-A615BAC9E3BC}" type="datetimeFigureOut">
               <a:rPr lang="zh-CN" altLang="en-US" smtClean="0"/>
-              <a:t>2019/2/12</a:t>
+              <a:t>2019/2/14</a:t>
             </a:fld>
             <a:endParaRPr lang="zh-CN" altLang="en-US"/>
           </a:p>
@@ -3069,10 +3070,214 @@
   <p:clrMapOvr>
     <a:masterClrMapping/>
   </p:clrMapOvr>
+  <p:timing>
+    <p:tnLst>
+      <p:par>
+        <p:cTn id="1" dur="indefinite" restart="never" nodeType="tmRoot"/>
+      </p:par>
+    </p:tnLst>
+  </p:timing>
 </p:sld>
 </file>
 
 <file path=ppt/slides/slide10.xml><?xml version="1.0" encoding="utf-8"?>
+<p:sld xmlns:a="http://schemas.openxmlformats.org/drawingml/2006/main" xmlns:r="http://schemas.openxmlformats.org/officeDocument/2006/relationships" xmlns:p="http://schemas.openxmlformats.org/presentationml/2006/main">
+  <p:cSld>
+    <p:spTree>
+      <p:nvGrpSpPr>
+        <p:cNvPr id="1" name=""/>
+        <p:cNvGrpSpPr/>
+        <p:nvPr/>
+      </p:nvGrpSpPr>
+      <p:grpSpPr>
+        <a:xfrm>
+          <a:off x="0" y="0"/>
+          <a:ext cx="0" cy="0"/>
+          <a:chOff x="0" y="0"/>
+          <a:chExt cx="0" cy="0"/>
+        </a:xfrm>
+      </p:grpSpPr>
+      <p:sp>
+        <p:nvSpPr>
+          <p:cNvPr id="2" name="标题 1"/>
+          <p:cNvSpPr>
+            <a:spLocks noGrp="1"/>
+          </p:cNvSpPr>
+          <p:nvPr>
+            <p:ph type="title"/>
+          </p:nvPr>
+        </p:nvSpPr>
+        <p:spPr/>
+        <p:txBody>
+          <a:bodyPr/>
+          <a:lstStyle/>
+          <a:p>
+            <a:r>
+              <a:rPr lang="zh-CN" altLang="en-US" dirty="0" smtClean="0"/>
+              <a:t>三、策略模式</a:t>
+            </a:r>
+            <a:r>
+              <a:rPr lang="en-US" altLang="zh-CN" dirty="0"/>
+              <a:t>strategy</a:t>
+            </a:r>
+            <a:endParaRPr lang="zh-CN" altLang="en-US" dirty="0"/>
+          </a:p>
+        </p:txBody>
+      </p:sp>
+      <p:sp>
+        <p:nvSpPr>
+          <p:cNvPr id="5" name="内容占位符 4"/>
+          <p:cNvSpPr>
+            <a:spLocks noGrp="1"/>
+          </p:cNvSpPr>
+          <p:nvPr>
+            <p:ph idx="1"/>
+          </p:nvPr>
+        </p:nvSpPr>
+        <p:spPr/>
+        <p:txBody>
+          <a:bodyPr>
+            <a:normAutofit/>
+          </a:bodyPr>
+          <a:lstStyle/>
+          <a:p>
+            <a:pPr marL="0" indent="0">
+              <a:buNone/>
+            </a:pPr>
+            <a:r>
+              <a:rPr lang="zh-CN" altLang="en-US" dirty="0" smtClean="0"/>
+              <a:t>已经明确产品各项参数，只需要执行结果</a:t>
+            </a:r>
+            <a:endParaRPr lang="en-US" altLang="zh-CN" dirty="0" smtClean="0"/>
+          </a:p>
+          <a:p>
+            <a:pPr marL="0" indent="0">
+              <a:buNone/>
+            </a:pPr>
+            <a:r>
+              <a:rPr lang="zh-CN" altLang="en-US" dirty="0" smtClean="0"/>
+              <a:t>客户端</a:t>
+            </a:r>
+            <a:r>
+              <a:rPr lang="zh-CN" altLang="en-US" dirty="0"/>
+              <a:t>传达给服务端的是一个实例，服务端只是将该实例拿过去在服务端的环境里执行该实例的方法</a:t>
+            </a:r>
+            <a:endParaRPr lang="en-US" altLang="zh-CN" dirty="0"/>
+          </a:p>
+          <a:p>
+            <a:pPr marL="0" indent="0">
+              <a:buNone/>
+            </a:pPr>
+            <a:r>
+              <a:rPr lang="zh-CN" altLang="en-US" dirty="0"/>
+              <a:t>客户端：</a:t>
+            </a:r>
+            <a:r>
+              <a:rPr lang="zh-CN" altLang="en-US" dirty="0" smtClean="0"/>
+              <a:t>专家张金良</a:t>
+            </a:r>
+            <a:endParaRPr lang="en-US" altLang="zh-CN" dirty="0"/>
+          </a:p>
+          <a:p>
+            <a:pPr marL="0" indent="0">
+              <a:buNone/>
+            </a:pPr>
+            <a:r>
+              <a:rPr lang="zh-CN" altLang="en-US" dirty="0"/>
+              <a:t>工厂：产品中心</a:t>
+            </a:r>
+            <a:endParaRPr lang="en-US" altLang="zh-CN" dirty="0"/>
+          </a:p>
+          <a:p>
+            <a:pPr marL="0" indent="0">
+              <a:buNone/>
+            </a:pPr>
+            <a:r>
+              <a:rPr lang="zh-CN" altLang="en-US" dirty="0"/>
+              <a:t>实例对象</a:t>
+            </a:r>
+            <a:r>
+              <a:rPr lang="zh-CN" altLang="en-US" dirty="0" smtClean="0"/>
+              <a:t>：</a:t>
+            </a:r>
+            <a:r>
+              <a:rPr lang="zh-CN" altLang="en-US" dirty="0"/>
+              <a:t>彭老板（前端），刘立禹（数据），郭佳祥（后台）</a:t>
+            </a:r>
+            <a:endParaRPr lang="en-US" altLang="zh-CN" dirty="0"/>
+          </a:p>
+          <a:p>
+            <a:pPr marL="0" indent="0">
+              <a:buNone/>
+            </a:pPr>
+            <a:r>
+              <a:rPr lang="zh-CN" altLang="en-US" dirty="0" smtClean="0"/>
+              <a:t>专家</a:t>
+            </a:r>
+            <a:r>
+              <a:rPr lang="zh-CN" altLang="en-US" dirty="0"/>
+              <a:t>需要一个数据结果</a:t>
+            </a:r>
+            <a:r>
+              <a:rPr lang="zh-CN" altLang="en-US" dirty="0" smtClean="0"/>
+              <a:t>，老张明确知道数据只能</a:t>
+            </a:r>
+            <a:r>
+              <a:rPr lang="en-US" altLang="zh-CN" dirty="0"/>
+              <a:t>【</a:t>
+            </a:r>
+            <a:r>
+              <a:rPr lang="zh-CN" altLang="en-US" dirty="0"/>
+              <a:t>刘立禹</a:t>
+            </a:r>
+            <a:r>
+              <a:rPr lang="en-US" altLang="zh-CN" dirty="0" smtClean="0"/>
+              <a:t>】</a:t>
+            </a:r>
+            <a:r>
+              <a:rPr lang="zh-CN" altLang="en-US" dirty="0" smtClean="0"/>
+              <a:t>来做，直接指明</a:t>
+            </a:r>
+            <a:r>
+              <a:rPr lang="en-US" altLang="zh-CN" dirty="0"/>
+              <a:t>【</a:t>
+            </a:r>
+            <a:r>
+              <a:rPr lang="zh-CN" altLang="en-US" dirty="0"/>
+              <a:t>刘立禹</a:t>
+            </a:r>
+            <a:r>
+              <a:rPr lang="en-US" altLang="zh-CN" dirty="0" smtClean="0"/>
+              <a:t>】</a:t>
+            </a:r>
+            <a:r>
+              <a:rPr lang="zh-CN" altLang="en-US" dirty="0" smtClean="0"/>
+              <a:t>去做，并且给产品中心一个提取数据的需求然后返回数据</a:t>
+            </a:r>
+            <a:endParaRPr lang="zh-CN" altLang="en-US" dirty="0"/>
+          </a:p>
+          <a:p>
+            <a:pPr marL="0" indent="0">
+              <a:buNone/>
+            </a:pPr>
+            <a:endParaRPr lang="zh-CN" altLang="en-US" dirty="0"/>
+          </a:p>
+        </p:txBody>
+      </p:sp>
+    </p:spTree>
+    <p:extLst>
+      <p:ext uri="{BB962C8B-B14F-4D97-AF65-F5344CB8AC3E}">
+        <p14:creationId xmlns:p14="http://schemas.microsoft.com/office/powerpoint/2010/main" val="3051370954"/>
+      </p:ext>
+    </p:extLst>
+  </p:cSld>
+  <p:clrMapOvr>
+    <a:masterClrMapping/>
+  </p:clrMapOvr>
+</p:sld>
+</file>
+
+<file path=ppt/slides/slide11.xml><?xml version="1.0" encoding="utf-8"?>
 <p:sld xmlns:a="http://schemas.openxmlformats.org/drawingml/2006/main" xmlns:r="http://schemas.openxmlformats.org/officeDocument/2006/relationships" xmlns:p="http://schemas.openxmlformats.org/presentationml/2006/main">
   <p:cSld>
     <p:spTree>
@@ -3154,7 +3359,7 @@
 </p:sld>
 </file>
 
-<file path=ppt/slides/slide11.xml><?xml version="1.0" encoding="utf-8"?>
+<file path=ppt/slides/slide12.xml><?xml version="1.0" encoding="utf-8"?>
 <p:sld xmlns:a="http://schemas.openxmlformats.org/drawingml/2006/main" xmlns:r="http://schemas.openxmlformats.org/officeDocument/2006/relationships" xmlns:p="http://schemas.openxmlformats.org/presentationml/2006/main">
   <p:cSld>
     <p:spTree>
@@ -3383,6 +3588,13 @@
   <p:clrMapOvr>
     <a:masterClrMapping/>
   </p:clrMapOvr>
+  <p:timing>
+    <p:tnLst>
+      <p:par>
+        <p:cTn id="1" dur="indefinite" restart="never" nodeType="tmRoot"/>
+      </p:par>
+    </p:tnLst>
+  </p:timing>
 </p:sld>
 </file>
 
@@ -3706,6 +3918,13 @@
   <p:clrMapOvr>
     <a:masterClrMapping/>
   </p:clrMapOvr>
+  <p:timing>
+    <p:tnLst>
+      <p:par>
+        <p:cTn id="1" dur="indefinite" restart="never" nodeType="tmRoot"/>
+      </p:par>
+    </p:tnLst>
+  </p:timing>
 </p:sld>
 </file>
 
@@ -3759,45 +3978,79 @@
             <p:ph idx="1"/>
           </p:nvPr>
         </p:nvSpPr>
-        <p:spPr/>
+        <p:spPr>
+          <a:xfrm>
+            <a:off x="838200" y="1690688"/>
+            <a:ext cx="10515600" cy="4486275"/>
+          </a:xfrm>
+        </p:spPr>
         <p:txBody>
           <a:bodyPr>
-            <a:normAutofit fontScale="92500" lnSpcReduction="20000"/>
+            <a:normAutofit fontScale="92500" lnSpcReduction="10000"/>
           </a:bodyPr>
           <a:lstStyle/>
           <a:p>
             <a:pPr marL="0" indent="0">
-              <a:buNone/>
-            </a:pPr>
-            <a:r>
-              <a:rPr lang="en-US" altLang="zh-CN" dirty="0" smtClean="0"/>
+              <a:lnSpc>
+                <a:spcPct val="120000"/>
+              </a:lnSpc>
+              <a:buNone/>
+            </a:pPr>
+            <a:r>
+              <a:rPr lang="en-US" altLang="zh-CN" dirty="0" smtClean="0">
+                <a:latin typeface="+mn-ea"/>
+              </a:rPr>
               <a:t>1</a:t>
             </a:r>
             <a:r>
-              <a:rPr lang="zh-CN" altLang="en-US" dirty="0" smtClean="0"/>
+              <a:rPr lang="zh-CN" altLang="en-US" dirty="0" smtClean="0">
+                <a:latin typeface="+mn-ea"/>
+              </a:rPr>
               <a:t>、对象是一个自包含的实体，用一组可识别的特性和行为来标识。</a:t>
             </a:r>
-            <a:endParaRPr lang="en-US" altLang="zh-CN" dirty="0" smtClean="0"/>
-          </a:p>
-          <a:p>
-            <a:pPr marL="0" indent="0">
-              <a:buNone/>
-            </a:pPr>
-            <a:r>
-              <a:rPr lang="zh-CN" altLang="en-US" dirty="0" smtClean="0"/>
+            <a:endParaRPr lang="en-US" altLang="zh-CN" dirty="0" smtClean="0">
+              <a:latin typeface="+mn-ea"/>
+            </a:endParaRPr>
+          </a:p>
+          <a:p>
+            <a:pPr marL="0" indent="0">
+              <a:lnSpc>
+                <a:spcPct val="120000"/>
+              </a:lnSpc>
+              <a:buNone/>
+            </a:pPr>
+            <a:r>
+              <a:rPr lang="zh-CN" altLang="en-US" dirty="0" smtClean="0">
+                <a:latin typeface="+mn-ea"/>
+              </a:rPr>
               <a:t>类是具有相同属性和功能的对象的抽象的集合，比如猫。</a:t>
             </a:r>
-            <a:endParaRPr lang="en-US" altLang="zh-CN" dirty="0" smtClean="0"/>
-          </a:p>
-          <a:p>
-            <a:pPr marL="0" indent="0">
-              <a:buNone/>
-            </a:pPr>
-            <a:r>
-              <a:rPr lang="zh-CN" altLang="en-US" dirty="0" smtClean="0"/>
-              <a:t>实例就是一个真实的对象，是具体的存在，比如发条。</a:t>
-            </a:r>
-            <a:endParaRPr lang="en-US" altLang="zh-CN" dirty="0" smtClean="0"/>
+            <a:endParaRPr lang="en-US" altLang="zh-CN" dirty="0" smtClean="0">
+              <a:latin typeface="+mn-ea"/>
+            </a:endParaRPr>
+          </a:p>
+          <a:p>
+            <a:pPr marL="0" indent="0">
+              <a:lnSpc>
+                <a:spcPct val="120000"/>
+              </a:lnSpc>
+              <a:buNone/>
+            </a:pPr>
+            <a:r>
+              <a:rPr lang="zh-CN" altLang="en-US" dirty="0" smtClean="0">
+                <a:latin typeface="+mn-ea"/>
+              </a:rPr>
+              <a:t>实例就是一个真实的对象，是具体的存在，比如发条</a:t>
+            </a:r>
+            <a:r>
+              <a:rPr lang="zh-CN" altLang="en-US" dirty="0" smtClean="0">
+                <a:latin typeface="+mn-ea"/>
+              </a:rPr>
+              <a:t>。</a:t>
+            </a:r>
+            <a:endParaRPr lang="en-US" altLang="zh-CN" dirty="0" smtClean="0">
+              <a:latin typeface="+mn-ea"/>
+            </a:endParaRPr>
           </a:p>
           <a:p>
             <a:pPr marL="0" indent="0">
@@ -3809,91 +4062,74 @@
             </a:r>
             <a:r>
               <a:rPr lang="zh-CN" altLang="en-US" dirty="0" smtClean="0"/>
-              <a:t>、构造方法就是对类进行初始化，是实例化这个类的方法，比如凯云的出生就是调用了构造方法。</a:t>
-            </a:r>
-            <a:endParaRPr lang="en-US" altLang="zh-CN" dirty="0" smtClean="0"/>
-          </a:p>
-          <a:p>
-            <a:pPr marL="0" indent="0">
-              <a:buNone/>
-            </a:pPr>
-            <a:r>
-              <a:rPr lang="en-US" altLang="zh-CN" dirty="0" smtClean="0"/>
+              <a:t>、</a:t>
+            </a:r>
+            <a:r>
+              <a:rPr lang="zh-CN" altLang="en-US" dirty="0"/>
+              <a:t>抽象类</a:t>
+            </a:r>
+            <a:endParaRPr lang="en-US" altLang="zh-CN" dirty="0"/>
+          </a:p>
+          <a:p>
+            <a:pPr marL="0" indent="0">
+              <a:buNone/>
+            </a:pPr>
+            <a:r>
+              <a:rPr lang="zh-CN" altLang="en-US" dirty="0"/>
+              <a:t>抽象类代表了一个概念，比如猫、狗，这都是人类归纳出来的物种描述，没有实体，而且一定是用来被继承的。</a:t>
+            </a:r>
+            <a:endParaRPr lang="en-US" altLang="zh-CN" dirty="0"/>
+          </a:p>
+          <a:p>
+            <a:pPr marL="0" indent="0">
+              <a:buNone/>
+            </a:pPr>
+            <a:r>
+              <a:rPr lang="zh-CN" altLang="en-US" dirty="0"/>
+              <a:t>拥有尽可能多的共同代码，拥有尽可能少的数据</a:t>
+            </a:r>
+            <a:r>
+              <a:rPr lang="zh-CN" altLang="en-US" dirty="0" smtClean="0"/>
+              <a:t>。</a:t>
+            </a:r>
+            <a:endParaRPr lang="en-US" altLang="zh-CN" dirty="0" smtClean="0">
+              <a:latin typeface="+mn-ea"/>
+            </a:endParaRPr>
+          </a:p>
+          <a:p>
+            <a:pPr marL="0" indent="0">
+              <a:lnSpc>
+                <a:spcPct val="120000"/>
+              </a:lnSpc>
+              <a:buNone/>
+            </a:pPr>
+            <a:r>
+              <a:rPr lang="en-US" altLang="zh-CN" dirty="0" smtClean="0">
+                <a:latin typeface="+mn-ea"/>
+              </a:rPr>
               <a:t>3</a:t>
             </a:r>
             <a:r>
-              <a:rPr lang="zh-CN" altLang="en-US" dirty="0" smtClean="0"/>
-              <a:t>、重载提供了创建同名的多方法的能力，可以在不改变原方法的基础上新增功能。</a:t>
-            </a:r>
-            <a:endParaRPr lang="en-US" altLang="zh-CN" dirty="0" smtClean="0"/>
-          </a:p>
-          <a:p>
-            <a:pPr marL="0" indent="0">
-              <a:buNone/>
-            </a:pPr>
-            <a:r>
-              <a:rPr lang="en-US" altLang="zh-CN" dirty="0" smtClean="0"/>
-              <a:t>4</a:t>
-            </a:r>
-            <a:r>
-              <a:rPr lang="zh-CN" altLang="en-US" dirty="0" smtClean="0"/>
-              <a:t>、封装的好处。</a:t>
-            </a:r>
-            <a:endParaRPr lang="en-US" altLang="zh-CN" dirty="0" smtClean="0"/>
-          </a:p>
-          <a:p>
-            <a:pPr marL="0" indent="0">
-              <a:buNone/>
-            </a:pPr>
-            <a:r>
-              <a:rPr lang="en-US" altLang="zh-CN" dirty="0"/>
-              <a:t>	</a:t>
-            </a:r>
-            <a:r>
-              <a:rPr lang="en-US" altLang="zh-CN" dirty="0" smtClean="0"/>
-              <a:t>1</a:t>
-            </a:r>
-            <a:r>
-              <a:rPr lang="zh-CN" altLang="en-US" dirty="0" smtClean="0"/>
-              <a:t>）、减少耦合，</a:t>
-            </a:r>
-            <a:endParaRPr lang="en-US" altLang="zh-CN" dirty="0" smtClean="0"/>
-          </a:p>
-          <a:p>
-            <a:pPr marL="0" indent="0">
-              <a:buNone/>
-            </a:pPr>
-            <a:r>
-              <a:rPr lang="en-US" altLang="zh-CN" dirty="0"/>
-              <a:t>	</a:t>
-            </a:r>
-            <a:r>
-              <a:rPr lang="en-US" altLang="zh-CN" dirty="0" smtClean="0"/>
-              <a:t>2</a:t>
-            </a:r>
-            <a:r>
-              <a:rPr lang="zh-CN" altLang="en-US" dirty="0" smtClean="0"/>
-              <a:t>）、类内部实现可以自由修改，</a:t>
-            </a:r>
-            <a:endParaRPr lang="en-US" altLang="zh-CN" dirty="0" smtClean="0"/>
-          </a:p>
-          <a:p>
-            <a:pPr marL="0" indent="0">
-              <a:buNone/>
-            </a:pPr>
-            <a:r>
-              <a:rPr lang="en-US" altLang="zh-CN" dirty="0"/>
-              <a:t>	</a:t>
-            </a:r>
-            <a:r>
-              <a:rPr lang="en-US" altLang="zh-CN" dirty="0" smtClean="0"/>
-              <a:t>3</a:t>
-            </a:r>
-            <a:r>
-              <a:rPr lang="zh-CN" altLang="en-US" dirty="0" smtClean="0"/>
-              <a:t>）、类具有清晰的对外接口</a:t>
-            </a:r>
-            <a:endParaRPr lang="zh-CN" altLang="en-US" dirty="0"/>
+              <a:rPr lang="zh-CN" altLang="en-US" dirty="0" smtClean="0">
+                <a:latin typeface="+mn-ea"/>
+              </a:rPr>
+              <a:t>、</a:t>
+            </a:r>
+            <a:r>
+              <a:rPr lang="zh-CN" altLang="en-US" dirty="0" smtClean="0">
+                <a:latin typeface="+mn-ea"/>
+              </a:rPr>
+              <a:t>构造方法就是对类进行初始化，是实例化这个类的方法，比如凯云的出生就是调用了构造方法</a:t>
+            </a:r>
+            <a:r>
+              <a:rPr lang="zh-CN" altLang="en-US" dirty="0" smtClean="0">
+                <a:latin typeface="+mn-ea"/>
+              </a:rPr>
+              <a:t>。</a:t>
+            </a:r>
+            <a:endParaRPr lang="en-US" altLang="zh-CN" dirty="0" smtClean="0">
+              <a:latin typeface="+mn-ea"/>
+            </a:endParaRPr>
           </a:p>
         </p:txBody>
       </p:sp>
@@ -3907,6 +4143,13 @@
   <p:clrMapOvr>
     <a:masterClrMapping/>
   </p:clrMapOvr>
+  <p:timing>
+    <p:tnLst>
+      <p:par>
+        <p:cTn id="1" dur="indefinite" restart="never" nodeType="tmRoot"/>
+      </p:par>
+    </p:tnLst>
+  </p:timing>
 </p:sld>
 </file>
 
@@ -3963,9 +4206,125 @@
         <p:spPr/>
         <p:txBody>
           <a:bodyPr>
-            <a:normAutofit fontScale="92500" lnSpcReduction="10000"/>
+            <a:normAutofit fontScale="92500" lnSpcReduction="20000"/>
           </a:bodyPr>
           <a:lstStyle/>
+          <a:p>
+            <a:pPr marL="0" indent="0">
+              <a:buNone/>
+            </a:pPr>
+            <a:r>
+              <a:rPr lang="en-US" altLang="zh-CN" dirty="0" smtClean="0"/>
+              <a:t>4</a:t>
+            </a:r>
+            <a:r>
+              <a:rPr lang="zh-CN" altLang="en-US" dirty="0" smtClean="0"/>
+              <a:t>、继承</a:t>
+            </a:r>
+            <a:endParaRPr lang="en-US" altLang="zh-CN" dirty="0" smtClean="0"/>
+          </a:p>
+          <a:p>
+            <a:pPr marL="0" indent="0">
+              <a:buNone/>
+            </a:pPr>
+            <a:r>
+              <a:rPr lang="zh-CN" altLang="en-US" dirty="0" smtClean="0"/>
+              <a:t>优点：子类共享</a:t>
+            </a:r>
+            <a:r>
+              <a:rPr lang="zh-CN" altLang="en-US" dirty="0"/>
+              <a:t>父</a:t>
+            </a:r>
+            <a:r>
+              <a:rPr lang="zh-CN" altLang="en-US" dirty="0" smtClean="0"/>
+              <a:t>类公共</a:t>
+            </a:r>
+            <a:r>
+              <a:rPr lang="zh-CN" altLang="en-US" dirty="0" smtClean="0"/>
+              <a:t>代码，</a:t>
+            </a:r>
+            <a:r>
+              <a:rPr lang="zh-CN" altLang="en-US" dirty="0" smtClean="0"/>
+              <a:t>避免了重复</a:t>
+            </a:r>
+            <a:r>
+              <a:rPr lang="zh-CN" altLang="en-US" dirty="0" smtClean="0"/>
+              <a:t>，</a:t>
+            </a:r>
+            <a:endParaRPr lang="en-US" altLang="zh-CN" dirty="0" smtClean="0"/>
+          </a:p>
+          <a:p>
+            <a:pPr marL="0" indent="0">
+              <a:buNone/>
+            </a:pPr>
+            <a:r>
+              <a:rPr lang="en-US" altLang="zh-CN" dirty="0" smtClean="0"/>
+              <a:t>	</a:t>
+            </a:r>
+            <a:r>
+              <a:rPr lang="zh-CN" altLang="en-US" dirty="0" smtClean="0"/>
+              <a:t>可</a:t>
+            </a:r>
+            <a:r>
+              <a:rPr lang="zh-CN" altLang="en-US" dirty="0" smtClean="0"/>
+              <a:t>使得修改和扩展继承而来的实现都比较容易。</a:t>
+            </a:r>
+            <a:endParaRPr lang="en-US" altLang="zh-CN" dirty="0" smtClean="0"/>
+          </a:p>
+          <a:p>
+            <a:pPr marL="0" indent="0">
+              <a:buNone/>
+            </a:pPr>
+            <a:r>
+              <a:rPr lang="zh-CN" altLang="en-US" dirty="0" smtClean="0"/>
+              <a:t>缺点：耦合严重</a:t>
+            </a:r>
+            <a:r>
+              <a:rPr lang="zh-CN" altLang="en-US" dirty="0" smtClean="0"/>
+              <a:t>。</a:t>
+            </a:r>
+            <a:endParaRPr lang="en-US" altLang="zh-CN" dirty="0" smtClean="0"/>
+          </a:p>
+          <a:p>
+            <a:pPr marL="0" indent="0">
+              <a:buNone/>
+            </a:pPr>
+            <a:r>
+              <a:rPr lang="en-US" altLang="zh-CN" dirty="0"/>
+              <a:t>	</a:t>
+            </a:r>
+            <a:r>
+              <a:rPr lang="en-US" altLang="zh-CN" dirty="0" smtClean="0"/>
+              <a:t>1</a:t>
+            </a:r>
+            <a:r>
+              <a:rPr lang="zh-CN" altLang="en-US" dirty="0" smtClean="0"/>
+              <a:t>、父类变，子类不得不变</a:t>
+            </a:r>
+            <a:r>
+              <a:rPr lang="zh-CN" altLang="en-US" dirty="0" smtClean="0"/>
+              <a:t>；</a:t>
+            </a:r>
+            <a:endParaRPr lang="en-US" altLang="zh-CN" dirty="0" smtClean="0"/>
+          </a:p>
+          <a:p>
+            <a:pPr marL="0" indent="0">
+              <a:buNone/>
+            </a:pPr>
+            <a:r>
+              <a:rPr lang="en-US" altLang="zh-CN" dirty="0"/>
+              <a:t>	</a:t>
+            </a:r>
+            <a:r>
+              <a:rPr lang="en-US" altLang="zh-CN" dirty="0" smtClean="0"/>
+              <a:t>2</a:t>
+            </a:r>
+            <a:r>
+              <a:rPr lang="zh-CN" altLang="en-US" dirty="0" smtClean="0"/>
+              <a:t>、破坏包装，父类实现细节暴露给子类。</a:t>
+            </a:r>
+            <a:endParaRPr lang="en-US" altLang="zh-CN" dirty="0" smtClean="0"/>
+          </a:p>
           <a:p>
             <a:pPr marL="0" indent="0">
               <a:buNone/>
@@ -3976,87 +4335,30 @@
             </a:r>
             <a:r>
               <a:rPr lang="zh-CN" altLang="en-US" dirty="0" smtClean="0"/>
-              <a:t>、继承可以将所有子类公共的部分放在父类，是代码得到了共享，避免了重复，可使得修改和扩展继承而来的实现都比较容易。</a:t>
+              <a:t>、多态</a:t>
             </a:r>
             <a:endParaRPr lang="en-US" altLang="zh-CN" dirty="0" smtClean="0"/>
           </a:p>
           <a:p>
             <a:pPr marL="0" indent="0">
-              <a:buNone/>
-            </a:pPr>
-            <a:r>
-              <a:rPr lang="zh-CN" altLang="en-US" dirty="0" smtClean="0"/>
-              <a:t>缺点：耦合严重。</a:t>
-            </a:r>
-            <a:r>
-              <a:rPr lang="en-US" altLang="zh-CN" dirty="0" smtClean="0"/>
-              <a:t>1</a:t>
-            </a:r>
-            <a:r>
-              <a:rPr lang="zh-CN" altLang="en-US" dirty="0" smtClean="0"/>
-              <a:t>、父类变，子类不得不变；</a:t>
-            </a:r>
-            <a:r>
-              <a:rPr lang="en-US" altLang="zh-CN" dirty="0" smtClean="0"/>
-              <a:t>2</a:t>
-            </a:r>
-            <a:r>
-              <a:rPr lang="zh-CN" altLang="en-US" dirty="0" smtClean="0"/>
-              <a:t>、破坏包装，父类实现细节暴露给子类。</a:t>
+              <a:lnSpc>
+                <a:spcPct val="110000"/>
+              </a:lnSpc>
+              <a:buNone/>
+            </a:pPr>
+            <a:r>
+              <a:rPr lang="zh-CN" altLang="en-US" dirty="0" smtClean="0"/>
+              <a:t>表示</a:t>
+            </a:r>
+            <a:r>
+              <a:rPr lang="zh-CN" altLang="en-US" dirty="0" smtClean="0"/>
+              <a:t>不同的对象可以执行相同的动作，但要通过他们自己的实现代码来执行。比如代码规则的执行，不同规则类都执行相同 方法，但是又是通过各自的代码来执行的</a:t>
+            </a:r>
+            <a:r>
+              <a:rPr lang="zh-CN" altLang="en-US" dirty="0" smtClean="0"/>
+              <a:t>。</a:t>
             </a:r>
             <a:endParaRPr lang="en-US" altLang="zh-CN" dirty="0" smtClean="0"/>
-          </a:p>
-          <a:p>
-            <a:pPr marL="0" indent="0">
-              <a:buNone/>
-            </a:pPr>
-            <a:r>
-              <a:rPr lang="en-US" altLang="zh-CN" dirty="0" smtClean="0"/>
-              <a:t>6</a:t>
-            </a:r>
-            <a:r>
-              <a:rPr lang="zh-CN" altLang="en-US" dirty="0" smtClean="0"/>
-              <a:t>、多态表示不同的对象可以执行相同的动作，但要通过他们自己的实现代码来执行。比如代码规则的执行，不同规则类都执行相同 方法，但是又是通过各自的代码来执行的。</a:t>
-            </a:r>
-            <a:endParaRPr lang="en-US" altLang="zh-CN" dirty="0" smtClean="0"/>
-          </a:p>
-          <a:p>
-            <a:pPr marL="0" indent="0">
-              <a:buNone/>
-            </a:pPr>
-            <a:r>
-              <a:rPr lang="en-US" altLang="zh-CN" dirty="0" smtClean="0"/>
-              <a:t>7</a:t>
-            </a:r>
-            <a:r>
-              <a:rPr lang="zh-CN" altLang="en-US" dirty="0" smtClean="0"/>
-              <a:t>、当有较多的重复代码，而又可以抽象为相同对象的时候。</a:t>
-            </a:r>
-            <a:endParaRPr lang="en-US" altLang="zh-CN" dirty="0" smtClean="0"/>
-          </a:p>
-          <a:p>
-            <a:pPr marL="0" indent="0">
-              <a:buNone/>
-            </a:pPr>
-            <a:r>
-              <a:rPr lang="en-US" altLang="zh-CN" dirty="0" smtClean="0"/>
-              <a:t>8</a:t>
-            </a:r>
-            <a:r>
-              <a:rPr lang="zh-CN" altLang="en-US" dirty="0" smtClean="0"/>
-              <a:t>、抽象类代表了一个概念，比如猫、狗，这都是人类归纳出来的物种描述，没有实体，而且一定是用来被继承的。</a:t>
-            </a:r>
-            <a:endParaRPr lang="en-US" altLang="zh-CN" dirty="0" smtClean="0"/>
-          </a:p>
-          <a:p>
-            <a:pPr marL="0" indent="0">
-              <a:buNone/>
-            </a:pPr>
-            <a:r>
-              <a:rPr lang="zh-CN" altLang="en-US" dirty="0" smtClean="0"/>
-              <a:t>拥有尽可能多的共同代码，拥有尽可能少的数据。</a:t>
-            </a:r>
-            <a:endParaRPr lang="zh-CN" altLang="en-US" dirty="0"/>
           </a:p>
         </p:txBody>
       </p:sp>
@@ -4070,6 +4372,13 @@
   <p:clrMapOvr>
     <a:masterClrMapping/>
   </p:clrMapOvr>
+  <p:timing>
+    <p:tnLst>
+      <p:par>
+        <p:cTn id="1" dur="indefinite" restart="never" nodeType="tmRoot"/>
+      </p:par>
+    </p:tnLst>
+  </p:timing>
 </p:sld>
 </file>
 
@@ -4107,11 +4416,254 @@
           <a:p>
             <a:r>
               <a:rPr lang="zh-CN" altLang="en-US" dirty="0" smtClean="0"/>
-              <a:t>二、简单工厂</a:t>
-            </a:r>
-            <a:r>
-              <a:rPr lang="zh-CN" altLang="en-US" dirty="0" smtClean="0"/>
-              <a:t>模式</a:t>
+              <a:t>基础知识</a:t>
+            </a:r>
+            <a:endParaRPr lang="zh-CN" altLang="en-US" dirty="0"/>
+          </a:p>
+        </p:txBody>
+      </p:sp>
+      <p:sp>
+        <p:nvSpPr>
+          <p:cNvPr id="3" name="内容占位符 2"/>
+          <p:cNvSpPr>
+            <a:spLocks noGrp="1"/>
+          </p:cNvSpPr>
+          <p:nvPr>
+            <p:ph idx="1"/>
+          </p:nvPr>
+        </p:nvSpPr>
+        <p:spPr/>
+        <p:txBody>
+          <a:bodyPr>
+            <a:normAutofit fontScale="92500" lnSpcReduction="10000"/>
+          </a:bodyPr>
+          <a:lstStyle/>
+          <a:p>
+            <a:pPr marL="0" indent="0">
+              <a:lnSpc>
+                <a:spcPct val="120000"/>
+              </a:lnSpc>
+              <a:buNone/>
+            </a:pPr>
+            <a:r>
+              <a:rPr lang="en-US" altLang="zh-CN" dirty="0" smtClean="0">
+                <a:latin typeface="+mn-ea"/>
+              </a:rPr>
+              <a:t>6</a:t>
+            </a:r>
+            <a:r>
+              <a:rPr lang="zh-CN" altLang="en-US" dirty="0" smtClean="0">
+                <a:latin typeface="+mn-ea"/>
+              </a:rPr>
+              <a:t>、</a:t>
+            </a:r>
+            <a:r>
+              <a:rPr lang="zh-CN" altLang="en-US" dirty="0">
+                <a:latin typeface="+mn-ea"/>
+              </a:rPr>
+              <a:t>封装的好处。</a:t>
+            </a:r>
+            <a:endParaRPr lang="en-US" altLang="zh-CN" dirty="0">
+              <a:latin typeface="+mn-ea"/>
+            </a:endParaRPr>
+          </a:p>
+          <a:p>
+            <a:pPr marL="0" indent="0">
+              <a:lnSpc>
+                <a:spcPct val="120000"/>
+              </a:lnSpc>
+              <a:buNone/>
+            </a:pPr>
+            <a:r>
+              <a:rPr lang="en-US" altLang="zh-CN" dirty="0">
+                <a:latin typeface="+mn-ea"/>
+              </a:rPr>
+              <a:t>	1</a:t>
+            </a:r>
+            <a:r>
+              <a:rPr lang="zh-CN" altLang="en-US" dirty="0">
+                <a:latin typeface="+mn-ea"/>
+              </a:rPr>
+              <a:t>）、减少耦合，</a:t>
+            </a:r>
+            <a:endParaRPr lang="en-US" altLang="zh-CN" dirty="0">
+              <a:latin typeface="+mn-ea"/>
+            </a:endParaRPr>
+          </a:p>
+          <a:p>
+            <a:pPr marL="0" indent="0">
+              <a:lnSpc>
+                <a:spcPct val="120000"/>
+              </a:lnSpc>
+              <a:buNone/>
+            </a:pPr>
+            <a:r>
+              <a:rPr lang="en-US" altLang="zh-CN" dirty="0">
+                <a:latin typeface="+mn-ea"/>
+              </a:rPr>
+              <a:t>	2</a:t>
+            </a:r>
+            <a:r>
+              <a:rPr lang="zh-CN" altLang="en-US" dirty="0">
+                <a:latin typeface="+mn-ea"/>
+              </a:rPr>
+              <a:t>）、类内部实现可以自由修改，</a:t>
+            </a:r>
+            <a:endParaRPr lang="en-US" altLang="zh-CN" dirty="0">
+              <a:latin typeface="+mn-ea"/>
+            </a:endParaRPr>
+          </a:p>
+          <a:p>
+            <a:pPr marL="0" indent="0">
+              <a:lnSpc>
+                <a:spcPct val="120000"/>
+              </a:lnSpc>
+              <a:buNone/>
+            </a:pPr>
+            <a:r>
+              <a:rPr lang="en-US" altLang="zh-CN" dirty="0">
+                <a:latin typeface="+mn-ea"/>
+              </a:rPr>
+              <a:t>	3</a:t>
+            </a:r>
+            <a:r>
+              <a:rPr lang="zh-CN" altLang="en-US" dirty="0">
+                <a:latin typeface="+mn-ea"/>
+              </a:rPr>
+              <a:t>）、类具有清晰的对外</a:t>
+            </a:r>
+            <a:r>
+              <a:rPr lang="zh-CN" altLang="en-US" dirty="0" smtClean="0">
+                <a:latin typeface="+mn-ea"/>
+              </a:rPr>
+              <a:t>接口</a:t>
+            </a:r>
+            <a:endParaRPr lang="en-US" altLang="zh-CN" dirty="0" smtClean="0"/>
+          </a:p>
+          <a:p>
+            <a:pPr marL="0" indent="0">
+              <a:buNone/>
+            </a:pPr>
+            <a:r>
+              <a:rPr lang="en-US" altLang="zh-CN" dirty="0" smtClean="0"/>
+              <a:t>7</a:t>
+            </a:r>
+            <a:r>
+              <a:rPr lang="zh-CN" altLang="en-US" dirty="0"/>
+              <a:t>、何时</a:t>
+            </a:r>
+            <a:r>
+              <a:rPr lang="zh-CN" altLang="en-US" dirty="0" smtClean="0"/>
+              <a:t>重构</a:t>
+            </a:r>
+            <a:endParaRPr lang="en-US" altLang="zh-CN" dirty="0" smtClean="0"/>
+          </a:p>
+          <a:p>
+            <a:pPr marL="0" indent="0">
+              <a:buNone/>
+            </a:pPr>
+            <a:r>
+              <a:rPr lang="zh-CN" altLang="en-US" dirty="0" smtClean="0"/>
+              <a:t>当</a:t>
+            </a:r>
+            <a:r>
+              <a:rPr lang="zh-CN" altLang="en-US" dirty="0" smtClean="0"/>
+              <a:t>有较多的重复代码，而又可以抽象为相同对象的时候。</a:t>
+            </a:r>
+            <a:endParaRPr lang="en-US" altLang="zh-CN" dirty="0" smtClean="0"/>
+          </a:p>
+          <a:p>
+            <a:pPr marL="0" indent="0">
+              <a:lnSpc>
+                <a:spcPct val="120000"/>
+              </a:lnSpc>
+              <a:buNone/>
+            </a:pPr>
+            <a:r>
+              <a:rPr lang="en-US" altLang="zh-CN" dirty="0" smtClean="0">
+                <a:latin typeface="+mn-ea"/>
+              </a:rPr>
+              <a:t>8</a:t>
+            </a:r>
+            <a:r>
+              <a:rPr lang="zh-CN" altLang="en-US" dirty="0" smtClean="0">
+                <a:latin typeface="+mn-ea"/>
+              </a:rPr>
+              <a:t>、</a:t>
+            </a:r>
+            <a:r>
+              <a:rPr lang="zh-CN" altLang="en-US" dirty="0">
+                <a:latin typeface="+mn-ea"/>
+              </a:rPr>
+              <a:t>重载提供了创建同名的多方法的能力，可以在不改变原方法的基础上新增功能。</a:t>
+            </a:r>
+            <a:endParaRPr lang="en-US" altLang="zh-CN" dirty="0">
+              <a:latin typeface="+mn-ea"/>
+            </a:endParaRPr>
+          </a:p>
+          <a:p>
+            <a:pPr marL="0" indent="0">
+              <a:buNone/>
+            </a:pPr>
+            <a:endParaRPr lang="zh-CN" altLang="en-US" dirty="0"/>
+          </a:p>
+        </p:txBody>
+      </p:sp>
+    </p:spTree>
+    <p:extLst>
+      <p:ext uri="{BB962C8B-B14F-4D97-AF65-F5344CB8AC3E}">
+        <p14:creationId xmlns:p14="http://schemas.microsoft.com/office/powerpoint/2010/main" val="1907061111"/>
+      </p:ext>
+    </p:extLst>
+  </p:cSld>
+  <p:clrMapOvr>
+    <a:masterClrMapping/>
+  </p:clrMapOvr>
+  <p:timing>
+    <p:tnLst>
+      <p:par>
+        <p:cTn id="1" dur="indefinite" restart="never" nodeType="tmRoot"/>
+      </p:par>
+    </p:tnLst>
+  </p:timing>
+</p:sld>
+</file>
+
+<file path=ppt/slides/slide8.xml><?xml version="1.0" encoding="utf-8"?>
+<p:sld xmlns:a="http://schemas.openxmlformats.org/drawingml/2006/main" xmlns:r="http://schemas.openxmlformats.org/officeDocument/2006/relationships" xmlns:p="http://schemas.openxmlformats.org/presentationml/2006/main">
+  <p:cSld>
+    <p:spTree>
+      <p:nvGrpSpPr>
+        <p:cNvPr id="1" name=""/>
+        <p:cNvGrpSpPr/>
+        <p:nvPr/>
+      </p:nvGrpSpPr>
+      <p:grpSpPr>
+        <a:xfrm>
+          <a:off x="0" y="0"/>
+          <a:ext cx="0" cy="0"/>
+          <a:chOff x="0" y="0"/>
+          <a:chExt cx="0" cy="0"/>
+        </a:xfrm>
+      </p:grpSpPr>
+      <p:sp>
+        <p:nvSpPr>
+          <p:cNvPr id="2" name="标题 1"/>
+          <p:cNvSpPr>
+            <a:spLocks noGrp="1"/>
+          </p:cNvSpPr>
+          <p:nvPr>
+            <p:ph type="title"/>
+          </p:nvPr>
+        </p:nvSpPr>
+        <p:spPr/>
+        <p:txBody>
+          <a:bodyPr/>
+          <a:lstStyle/>
+          <a:p>
+            <a:r>
+              <a:rPr lang="zh-CN" altLang="en-US" dirty="0" smtClean="0"/>
+              <a:t>二、简单工厂模式</a:t>
             </a:r>
             <a:r>
               <a:rPr lang="en-US" altLang="zh-CN" dirty="0"/>
@@ -4251,10 +4803,17 @@
   <p:clrMapOvr>
     <a:masterClrMapping/>
   </p:clrMapOvr>
+  <p:timing>
+    <p:tnLst>
+      <p:par>
+        <p:cTn id="1" dur="indefinite" restart="never" nodeType="tmRoot"/>
+      </p:par>
+    </p:tnLst>
+  </p:timing>
 </p:sld>
 </file>
 
-<file path=ppt/slides/slide8.xml><?xml version="1.0" encoding="utf-8"?>
+<file path=ppt/slides/slide9.xml><?xml version="1.0" encoding="utf-8"?>
 <p:sld xmlns:a="http://schemas.openxmlformats.org/drawingml/2006/main" xmlns:r="http://schemas.openxmlformats.org/officeDocument/2006/relationships" xmlns:p="http://schemas.openxmlformats.org/presentationml/2006/main">
   <p:cSld>
     <p:spTree>
@@ -4328,207 +4887,6 @@
     <p:extLst>
       <p:ext uri="{BB962C8B-B14F-4D97-AF65-F5344CB8AC3E}">
         <p14:creationId xmlns:p14="http://schemas.microsoft.com/office/powerpoint/2010/main" val="3897720266"/>
-      </p:ext>
-    </p:extLst>
-  </p:cSld>
-  <p:clrMapOvr>
-    <a:masterClrMapping/>
-  </p:clrMapOvr>
-</p:sld>
-</file>
-
-<file path=ppt/slides/slide9.xml><?xml version="1.0" encoding="utf-8"?>
-<p:sld xmlns:a="http://schemas.openxmlformats.org/drawingml/2006/main" xmlns:r="http://schemas.openxmlformats.org/officeDocument/2006/relationships" xmlns:p="http://schemas.openxmlformats.org/presentationml/2006/main">
-  <p:cSld>
-    <p:spTree>
-      <p:nvGrpSpPr>
-        <p:cNvPr id="1" name=""/>
-        <p:cNvGrpSpPr/>
-        <p:nvPr/>
-      </p:nvGrpSpPr>
-      <p:grpSpPr>
-        <a:xfrm>
-          <a:off x="0" y="0"/>
-          <a:ext cx="0" cy="0"/>
-          <a:chOff x="0" y="0"/>
-          <a:chExt cx="0" cy="0"/>
-        </a:xfrm>
-      </p:grpSpPr>
-      <p:sp>
-        <p:nvSpPr>
-          <p:cNvPr id="2" name="标题 1"/>
-          <p:cNvSpPr>
-            <a:spLocks noGrp="1"/>
-          </p:cNvSpPr>
-          <p:nvPr>
-            <p:ph type="title"/>
-          </p:nvPr>
-        </p:nvSpPr>
-        <p:spPr/>
-        <p:txBody>
-          <a:bodyPr/>
-          <a:lstStyle/>
-          <a:p>
-            <a:r>
-              <a:rPr lang="zh-CN" altLang="en-US" dirty="0" smtClean="0"/>
-              <a:t>三、策略</a:t>
-            </a:r>
-            <a:r>
-              <a:rPr lang="zh-CN" altLang="en-US" dirty="0" smtClean="0"/>
-              <a:t>模式</a:t>
-            </a:r>
-            <a:r>
-              <a:rPr lang="en-US" altLang="zh-CN" dirty="0"/>
-              <a:t>strategy</a:t>
-            </a:r>
-            <a:endParaRPr lang="zh-CN" altLang="en-US" dirty="0"/>
-          </a:p>
-        </p:txBody>
-      </p:sp>
-      <p:sp>
-        <p:nvSpPr>
-          <p:cNvPr id="5" name="内容占位符 4"/>
-          <p:cNvSpPr>
-            <a:spLocks noGrp="1"/>
-          </p:cNvSpPr>
-          <p:nvPr>
-            <p:ph idx="1"/>
-          </p:nvPr>
-        </p:nvSpPr>
-        <p:spPr/>
-        <p:txBody>
-          <a:bodyPr>
-            <a:normAutofit/>
-          </a:bodyPr>
-          <a:lstStyle/>
-          <a:p>
-            <a:pPr marL="0" indent="0">
-              <a:buNone/>
-            </a:pPr>
-            <a:r>
-              <a:rPr lang="zh-CN" altLang="en-US" dirty="0" smtClean="0"/>
-              <a:t>已经明确产品各项参数，只需要执行结果</a:t>
-            </a:r>
-            <a:endParaRPr lang="en-US" altLang="zh-CN" dirty="0" smtClean="0"/>
-          </a:p>
-          <a:p>
-            <a:pPr marL="0" indent="0">
-              <a:buNone/>
-            </a:pPr>
-            <a:r>
-              <a:rPr lang="zh-CN" altLang="en-US" dirty="0" smtClean="0"/>
-              <a:t>客户端</a:t>
-            </a:r>
-            <a:r>
-              <a:rPr lang="zh-CN" altLang="en-US" dirty="0"/>
-              <a:t>传达给服务端的是一个实例，服务端只是将该实例拿过去在服务端的环境里执行该实例的方法</a:t>
-            </a:r>
-            <a:endParaRPr lang="en-US" altLang="zh-CN" dirty="0"/>
-          </a:p>
-          <a:p>
-            <a:pPr marL="0" indent="0">
-              <a:buNone/>
-            </a:pPr>
-            <a:r>
-              <a:rPr lang="zh-CN" altLang="en-US" dirty="0"/>
-              <a:t>客户端：</a:t>
-            </a:r>
-            <a:r>
-              <a:rPr lang="zh-CN" altLang="en-US" dirty="0" smtClean="0"/>
-              <a:t>专家张金良</a:t>
-            </a:r>
-            <a:endParaRPr lang="en-US" altLang="zh-CN" dirty="0"/>
-          </a:p>
-          <a:p>
-            <a:pPr marL="0" indent="0">
-              <a:buNone/>
-            </a:pPr>
-            <a:r>
-              <a:rPr lang="zh-CN" altLang="en-US" dirty="0"/>
-              <a:t>工厂：产品中心</a:t>
-            </a:r>
-            <a:endParaRPr lang="en-US" altLang="zh-CN" dirty="0"/>
-          </a:p>
-          <a:p>
-            <a:pPr marL="0" indent="0">
-              <a:buNone/>
-            </a:pPr>
-            <a:r>
-              <a:rPr lang="zh-CN" altLang="en-US" dirty="0"/>
-              <a:t>实例对象</a:t>
-            </a:r>
-            <a:r>
-              <a:rPr lang="zh-CN" altLang="en-US" dirty="0" smtClean="0"/>
-              <a:t>：</a:t>
-            </a:r>
-            <a:r>
-              <a:rPr lang="zh-CN" altLang="en-US" dirty="0"/>
-              <a:t>彭老板（前端），刘立禹（数据），郭佳祥（后台）</a:t>
-            </a:r>
-            <a:endParaRPr lang="en-US" altLang="zh-CN" dirty="0"/>
-          </a:p>
-          <a:p>
-            <a:pPr marL="0" indent="0">
-              <a:buNone/>
-            </a:pPr>
-            <a:r>
-              <a:rPr lang="zh-CN" altLang="en-US" dirty="0" smtClean="0"/>
-              <a:t>专家</a:t>
-            </a:r>
-            <a:r>
-              <a:rPr lang="zh-CN" altLang="en-US" dirty="0"/>
-              <a:t>需要一个数据结果</a:t>
-            </a:r>
-            <a:r>
-              <a:rPr lang="zh-CN" altLang="en-US" dirty="0" smtClean="0"/>
-              <a:t>，老张明确知道数据只能</a:t>
-            </a:r>
-            <a:r>
-              <a:rPr lang="en-US" altLang="zh-CN" dirty="0"/>
-              <a:t>【</a:t>
-            </a:r>
-            <a:r>
-              <a:rPr lang="zh-CN" altLang="en-US" dirty="0"/>
-              <a:t>刘立禹</a:t>
-            </a:r>
-            <a:r>
-              <a:rPr lang="en-US" altLang="zh-CN" dirty="0" smtClean="0"/>
-              <a:t>】</a:t>
-            </a:r>
-            <a:r>
-              <a:rPr lang="zh-CN" altLang="en-US" dirty="0" smtClean="0"/>
-              <a:t>来做，直接指明</a:t>
-            </a:r>
-            <a:r>
-              <a:rPr lang="en-US" altLang="zh-CN" dirty="0"/>
-              <a:t>【</a:t>
-            </a:r>
-            <a:r>
-              <a:rPr lang="zh-CN" altLang="en-US" dirty="0"/>
-              <a:t>刘立禹</a:t>
-            </a:r>
-            <a:r>
-              <a:rPr lang="en-US" altLang="zh-CN" dirty="0" smtClean="0"/>
-              <a:t>】</a:t>
-            </a:r>
-            <a:r>
-              <a:rPr lang="zh-CN" altLang="en-US" dirty="0" smtClean="0"/>
-              <a:t>去做，并且给产品中心一个提取数据的需求然后返回数据</a:t>
-            </a:r>
-            <a:endParaRPr lang="zh-CN" altLang="en-US" dirty="0"/>
-          </a:p>
-          <a:p>
-            <a:pPr marL="0" indent="0">
-              <a:buNone/>
-            </a:pPr>
-            <a:endParaRPr lang="zh-CN" altLang="en-US" dirty="0"/>
-          </a:p>
-        </p:txBody>
-      </p:sp>
-    </p:spTree>
-    <p:extLst>
-      <p:ext uri="{BB962C8B-B14F-4D97-AF65-F5344CB8AC3E}">
-        <p14:creationId xmlns:p14="http://schemas.microsoft.com/office/powerpoint/2010/main" val="3051370954"/>
       </p:ext>
     </p:extLst>
   </p:cSld>

--- a/设计模式1.pptx
+++ b/设计模式1.pptx
@@ -3418,10 +3418,50 @@
               <a:buNone/>
             </a:pPr>
             <a:r>
+              <a:rPr lang="zh-CN" altLang="en-US" dirty="0"/>
+              <a:t>参考代码：</a:t>
+            </a:r>
+            <a:r>
               <a:rPr lang="en-US" altLang="zh-CN" dirty="0"/>
-              <a:t>https://www.cnblogs.com/zhangchenliang/p/3700820.html</a:t>
-            </a:r>
-            <a:endParaRPr lang="zh-CN" altLang="en-US" dirty="0"/>
+              <a:t>https://</a:t>
+            </a:r>
+            <a:r>
+              <a:rPr lang="en-US" altLang="zh-CN" dirty="0" smtClean="0"/>
+              <a:t>github.com/tdxhhw66/JavaCodeAcc</a:t>
+            </a:r>
+            <a:endParaRPr lang="en-US" altLang="zh-CN" dirty="0" smtClean="0">
+              <a:hlinkClick r:id="rId2"/>
+            </a:endParaRPr>
+          </a:p>
+          <a:p>
+            <a:pPr marL="0" indent="0">
+              <a:buNone/>
+            </a:pPr>
+            <a:r>
+              <a:rPr lang="zh-CN" altLang="en-US" smtClean="0">
+                <a:hlinkClick r:id="rId2"/>
+              </a:rPr>
+              <a:t>讲解：</a:t>
+            </a:r>
+            <a:r>
+              <a:rPr lang="en-US" altLang="zh-CN" dirty="0" smtClean="0">
+                <a:hlinkClick r:id="rId2"/>
+              </a:rPr>
+              <a:t>https</a:t>
+            </a:r>
+            <a:r>
+              <a:rPr lang="en-US" altLang="zh-CN" dirty="0">
+                <a:hlinkClick r:id="rId2"/>
+              </a:rPr>
+              <a:t>://</a:t>
+            </a:r>
+            <a:r>
+              <a:rPr lang="en-US" altLang="zh-CN" dirty="0" smtClean="0">
+                <a:hlinkClick r:id="rId2"/>
+              </a:rPr>
+              <a:t>www.cnblogs.com/zhangchenliang/p/3700820.html</a:t>
+            </a:r>
+            <a:endParaRPr lang="en-US" altLang="zh-CN" dirty="0" smtClean="0"/>
           </a:p>
         </p:txBody>
       </p:sp>
@@ -4040,13 +4080,7 @@
               <a:rPr lang="zh-CN" altLang="en-US" dirty="0" smtClean="0">
                 <a:latin typeface="+mn-ea"/>
               </a:rPr>
-              <a:t>实例就是一个真实的对象，是具体的存在，比如发条</a:t>
-            </a:r>
-            <a:r>
-              <a:rPr lang="zh-CN" altLang="en-US" dirty="0" smtClean="0">
-                <a:latin typeface="+mn-ea"/>
-              </a:rPr>
-              <a:t>。</a:t>
+              <a:t>实例就是一个真实的对象，是具体的存在，比如发条。</a:t>
             </a:r>
             <a:endParaRPr lang="en-US" altLang="zh-CN" dirty="0" smtClean="0">
               <a:latin typeface="+mn-ea"/>
@@ -4113,19 +4147,7 @@
               <a:rPr lang="zh-CN" altLang="en-US" dirty="0" smtClean="0">
                 <a:latin typeface="+mn-ea"/>
               </a:rPr>
-              <a:t>、</a:t>
-            </a:r>
-            <a:r>
-              <a:rPr lang="zh-CN" altLang="en-US" dirty="0" smtClean="0">
-                <a:latin typeface="+mn-ea"/>
-              </a:rPr>
-              <a:t>构造方法就是对类进行初始化，是实例化这个类的方法，比如凯云的出生就是调用了构造方法</a:t>
-            </a:r>
-            <a:r>
-              <a:rPr lang="zh-CN" altLang="en-US" dirty="0" smtClean="0">
-                <a:latin typeface="+mn-ea"/>
-              </a:rPr>
-              <a:t>。</a:t>
+              <a:t>、构造方法就是对类进行初始化，是实例化这个类的方法，比如凯云的出生就是调用了构造方法。</a:t>
             </a:r>
             <a:endParaRPr lang="en-US" altLang="zh-CN" dirty="0" smtClean="0">
               <a:latin typeface="+mn-ea"/>
@@ -4237,19 +4259,7 @@
             </a:r>
             <a:r>
               <a:rPr lang="zh-CN" altLang="en-US" dirty="0" smtClean="0"/>
-              <a:t>类公共</a:t>
-            </a:r>
-            <a:r>
-              <a:rPr lang="zh-CN" altLang="en-US" dirty="0" smtClean="0"/>
-              <a:t>代码，</a:t>
-            </a:r>
-            <a:r>
-              <a:rPr lang="zh-CN" altLang="en-US" dirty="0" smtClean="0"/>
-              <a:t>避免了重复</a:t>
-            </a:r>
-            <a:r>
-              <a:rPr lang="zh-CN" altLang="en-US" dirty="0" smtClean="0"/>
-              <a:t>，</a:t>
+              <a:t>类公共代码，避免了重复，</a:t>
             </a:r>
             <a:endParaRPr lang="en-US" altLang="zh-CN" dirty="0" smtClean="0"/>
           </a:p>
@@ -4263,11 +4273,7 @@
             </a:r>
             <a:r>
               <a:rPr lang="zh-CN" altLang="en-US" dirty="0" smtClean="0"/>
-              <a:t>可</a:t>
-            </a:r>
-            <a:r>
-              <a:rPr lang="zh-CN" altLang="en-US" dirty="0" smtClean="0"/>
-              <a:t>使得修改和扩展继承而来的实现都比较容易。</a:t>
+              <a:t>可使得修改和扩展继承而来的实现都比较容易。</a:t>
             </a:r>
             <a:endParaRPr lang="en-US" altLang="zh-CN" dirty="0" smtClean="0"/>
           </a:p>
@@ -4277,11 +4283,7 @@
             </a:pPr>
             <a:r>
               <a:rPr lang="zh-CN" altLang="en-US" dirty="0" smtClean="0"/>
-              <a:t>缺点：耦合严重</a:t>
-            </a:r>
-            <a:r>
-              <a:rPr lang="zh-CN" altLang="en-US" dirty="0" smtClean="0"/>
-              <a:t>。</a:t>
+              <a:t>缺点：耦合严重。</a:t>
             </a:r>
             <a:endParaRPr lang="en-US" altLang="zh-CN" dirty="0" smtClean="0"/>
           </a:p>
@@ -4299,11 +4301,7 @@
             </a:r>
             <a:r>
               <a:rPr lang="zh-CN" altLang="en-US" dirty="0" smtClean="0"/>
-              <a:t>、父类变，子类不得不变</a:t>
-            </a:r>
-            <a:r>
-              <a:rPr lang="zh-CN" altLang="en-US" dirty="0" smtClean="0"/>
-              <a:t>；</a:t>
+              <a:t>、父类变，子类不得不变；</a:t>
             </a:r>
             <a:endParaRPr lang="en-US" altLang="zh-CN" dirty="0" smtClean="0"/>
           </a:p>
@@ -4348,15 +4346,7 @@
             </a:pPr>
             <a:r>
               <a:rPr lang="zh-CN" altLang="en-US" dirty="0" smtClean="0"/>
-              <a:t>表示</a:t>
-            </a:r>
-            <a:r>
-              <a:rPr lang="zh-CN" altLang="en-US" dirty="0" smtClean="0"/>
-              <a:t>不同的对象可以执行相同的动作，但要通过他们自己的实现代码来执行。比如代码规则的执行，不同规则类都执行相同 方法，但是又是通过各自的代码来执行的</a:t>
-            </a:r>
-            <a:r>
-              <a:rPr lang="zh-CN" altLang="en-US" dirty="0" smtClean="0"/>
-              <a:t>。</a:t>
+              <a:t>表示不同的对象可以执行相同的动作，但要通过他们自己的实现代码来执行。比如代码规则的执行，不同规则类都执行相同 方法，但是又是通过各自的代码来执行的。</a:t>
             </a:r>
             <a:endParaRPr lang="en-US" altLang="zh-CN" dirty="0" smtClean="0"/>
           </a:p>
@@ -4564,11 +4554,7 @@
             </a:pPr>
             <a:r>
               <a:rPr lang="zh-CN" altLang="en-US" dirty="0" smtClean="0"/>
-              <a:t>当</a:t>
-            </a:r>
-            <a:r>
-              <a:rPr lang="zh-CN" altLang="en-US" dirty="0" smtClean="0"/>
-              <a:t>有较多的重复代码，而又可以抽象为相同对象的时候。</a:t>
+              <a:t>当有较多的重复代码，而又可以抽象为相同对象的时候。</a:t>
             </a:r>
             <a:endParaRPr lang="en-US" altLang="zh-CN" dirty="0" smtClean="0"/>
           </a:p>
